--- a/SOLID principles.pptx
+++ b/SOLID principles.pptx
@@ -22,7 +22,8 @@
     <p:sldId id="273" r:id="rId16"/>
     <p:sldId id="270" r:id="rId17"/>
     <p:sldId id="271" r:id="rId18"/>
-    <p:sldId id="272" r:id="rId19"/>
+    <p:sldId id="274" r:id="rId19"/>
+    <p:sldId id="272" r:id="rId20"/>
   </p:sldIdLst>
   <p:sldSz cx="9144000" cy="6858000" type="screen4x3"/>
   <p:notesSz cx="6858000" cy="9144000"/>
@@ -6787,6 +6788,154 @@
           <a:p>
             <a:r>
               <a:rPr lang="en-US" dirty="0" smtClean="0"/>
+              <a:t>JavaScript ES6 features*</a:t>
+            </a:r>
+            <a:endParaRPr lang="pl-PL" dirty="0"/>
+          </a:p>
+        </p:txBody>
+      </p:sp>
+      <p:sp>
+        <p:nvSpPr>
+          <p:cNvPr id="3" name="Content Placeholder 2"/>
+          <p:cNvSpPr>
+            <a:spLocks noGrp="1"/>
+          </p:cNvSpPr>
+          <p:nvPr>
+            <p:ph idx="1"/>
+          </p:nvPr>
+        </p:nvSpPr>
+        <p:spPr>
+          <a:xfrm>
+            <a:off x="609598" y="2160590"/>
+            <a:ext cx="7346777" cy="4364754"/>
+          </a:xfrm>
+        </p:spPr>
+        <p:txBody>
+          <a:bodyPr>
+            <a:normAutofit/>
+          </a:bodyPr>
+          <a:lstStyle/>
+          <a:p>
+            <a:r>
+              <a:rPr lang="en-US" dirty="0" smtClean="0"/>
+              <a:t>Classes</a:t>
+            </a:r>
+          </a:p>
+          <a:p>
+            <a:r>
+              <a:rPr lang="en-US" dirty="0" smtClean="0"/>
+              <a:t>Subclasses</a:t>
+            </a:r>
+          </a:p>
+          <a:p>
+            <a:r>
+              <a:rPr lang="en-US" dirty="0" smtClean="0"/>
+              <a:t>let+ </a:t>
+            </a:r>
+            <a:r>
+              <a:rPr lang="en-US" dirty="0" err="1" smtClean="0"/>
+              <a:t>const</a:t>
+            </a:r>
+            <a:endParaRPr lang="en-US" dirty="0" smtClean="0"/>
+          </a:p>
+          <a:p>
+            <a:r>
+              <a:rPr lang="en-US" dirty="0" smtClean="0"/>
+              <a:t>Modules</a:t>
+            </a:r>
+          </a:p>
+          <a:p>
+            <a:r>
+              <a:rPr lang="en-US" dirty="0" smtClean="0"/>
+              <a:t>Module loader</a:t>
+            </a:r>
+          </a:p>
+          <a:p>
+            <a:endParaRPr lang="en-US" dirty="0"/>
+          </a:p>
+          <a:p>
+            <a:pPr marL="0" indent="0">
+              <a:buNone/>
+            </a:pPr>
+            <a:r>
+              <a:rPr lang="en-US" dirty="0" smtClean="0"/>
+              <a:t>More “Object oriented” than before</a:t>
+            </a:r>
+          </a:p>
+          <a:p>
+            <a:pPr marL="0" indent="0">
+              <a:buNone/>
+            </a:pPr>
+            <a:r>
+              <a:rPr lang="en-US" dirty="0" smtClean="0"/>
+              <a:t>And Objective languages more functional than before</a:t>
+            </a:r>
+          </a:p>
+          <a:p>
+            <a:pPr marL="0" indent="0">
+              <a:buNone/>
+            </a:pPr>
+            <a:endParaRPr lang="en-US" dirty="0"/>
+          </a:p>
+          <a:p>
+            <a:pPr marL="0" indent="0" algn="r">
+              <a:buNone/>
+            </a:pPr>
+            <a:r>
+              <a:rPr lang="en-US" sz="1200" dirty="0" smtClean="0"/>
+              <a:t>*or ES5 I mean more the direction where language evolve than concrete version</a:t>
+            </a:r>
+            <a:endParaRPr lang="pl-PL" sz="1200" dirty="0"/>
+          </a:p>
+        </p:txBody>
+      </p:sp>
+    </p:spTree>
+    <p:extLst>
+      <p:ext uri="{BB962C8B-B14F-4D97-AF65-F5344CB8AC3E}">
+        <p14:creationId xmlns:p14="http://schemas.microsoft.com/office/powerpoint/2010/main" val="1235159726"/>
+      </p:ext>
+    </p:extLst>
+  </p:cSld>
+  <p:clrMapOvr>
+    <a:masterClrMapping/>
+  </p:clrMapOvr>
+</p:sld>
+</file>
+
+<file path=ppt/slides/slide19.xml><?xml version="1.0" encoding="utf-8"?>
+<p:sld xmlns:a="http://schemas.openxmlformats.org/drawingml/2006/main" xmlns:r="http://schemas.openxmlformats.org/officeDocument/2006/relationships" xmlns:p="http://schemas.openxmlformats.org/presentationml/2006/main">
+  <p:cSld>
+    <p:spTree>
+      <p:nvGrpSpPr>
+        <p:cNvPr id="1" name=""/>
+        <p:cNvGrpSpPr/>
+        <p:nvPr/>
+      </p:nvGrpSpPr>
+      <p:grpSpPr>
+        <a:xfrm>
+          <a:off x="0" y="0"/>
+          <a:ext cx="0" cy="0"/>
+          <a:chOff x="0" y="0"/>
+          <a:chExt cx="0" cy="0"/>
+        </a:xfrm>
+      </p:grpSpPr>
+      <p:sp>
+        <p:nvSpPr>
+          <p:cNvPr id="2" name="Title 1"/>
+          <p:cNvSpPr>
+            <a:spLocks noGrp="1"/>
+          </p:cNvSpPr>
+          <p:nvPr>
+            <p:ph type="title"/>
+          </p:nvPr>
+        </p:nvSpPr>
+        <p:spPr/>
+        <p:txBody>
+          <a:bodyPr/>
+          <a:lstStyle/>
+          <a:p>
+            <a:r>
+              <a:rPr lang="en-US" dirty="0" smtClean="0"/>
               <a:t>Working examples</a:t>
             </a:r>
             <a:endParaRPr lang="pl-PL" dirty="0"/>
@@ -6861,6 +7010,57 @@
               <a:t>github.com/Haas360/webdotnet</a:t>
             </a:r>
             <a:endParaRPr lang="en-US" dirty="0" smtClean="0"/>
+          </a:p>
+          <a:p>
+            <a:pPr marL="0" indent="0">
+              <a:buNone/>
+            </a:pPr>
+            <a:endParaRPr lang="en-US" dirty="0" smtClean="0"/>
+          </a:p>
+          <a:p>
+            <a:pPr marL="0" indent="0">
+              <a:buNone/>
+            </a:pPr>
+            <a:r>
+              <a:rPr lang="en-US" dirty="0" smtClean="0"/>
+              <a:t>Features of ES6:</a:t>
+            </a:r>
+          </a:p>
+          <a:p>
+            <a:pPr marL="0" indent="0">
+              <a:buNone/>
+            </a:pPr>
+            <a:r>
+              <a:rPr lang="pl-PL" dirty="0">
+                <a:hlinkClick r:id="rId3"/>
+              </a:rPr>
+              <a:t>https://</a:t>
+            </a:r>
+            <a:r>
+              <a:rPr lang="pl-PL" dirty="0" smtClean="0">
+                <a:hlinkClick r:id="rId3"/>
+              </a:rPr>
+              <a:t>github.com/lukehoban/es6features</a:t>
+            </a:r>
+            <a:endParaRPr lang="en-US" dirty="0" smtClean="0"/>
+          </a:p>
+          <a:p>
+            <a:pPr marL="0" indent="0">
+              <a:buNone/>
+            </a:pPr>
+            <a:r>
+              <a:rPr lang="pl-PL" dirty="0">
+                <a:hlinkClick r:id="rId4"/>
+              </a:rPr>
+              <a:t>http://es6-features.org/#</a:t>
+            </a:r>
+            <a:r>
+              <a:rPr lang="pl-PL" dirty="0" smtClean="0">
+                <a:hlinkClick r:id="rId4"/>
+              </a:rPr>
+              <a:t>Constants</a:t>
+            </a:r>
+            <a:endParaRPr lang="en-US" smtClean="0"/>
           </a:p>
           <a:p>
             <a:pPr marL="0" indent="0">
